--- a/1. Core Java 8/Day 4/Slides/6. Class Inheritance/class-inheritance-slides.pptx
+++ b/1. Core Java 8/Day 4/Slides/6. Class Inheritance/class-inheritance-slides.pptx
@@ -36131,54 +36131,6 @@
       </p:sp>
       <p:sp>
         <p:nvSpPr>
-          <p:cNvPr id="9" name="object 9"/>
-          <p:cNvSpPr/>
-          <p:nvPr/>
-        </p:nvSpPr>
-        <p:spPr>
-          <a:xfrm>
-            <a:off x="142209" y="3203681"/>
-            <a:ext cx="1678305" cy="367030"/>
-          </a:xfrm>
-          <a:custGeom>
-            <a:avLst/>
-            <a:gdLst/>
-            <a:ahLst/>
-            <a:cxnLst/>
-            <a:rect l="l" t="t" r="r" b="b"/>
-            <a:pathLst>
-              <a:path w="1678305" h="367029">
-                <a:moveTo>
-                  <a:pt x="1677881" y="0"/>
-                </a:moveTo>
-                <a:lnTo>
-                  <a:pt x="0" y="0"/>
-                </a:lnTo>
-                <a:lnTo>
-                  <a:pt x="0" y="366831"/>
-                </a:lnTo>
-                <a:lnTo>
-                  <a:pt x="1677881" y="366831"/>
-                </a:lnTo>
-                <a:lnTo>
-                  <a:pt x="1677881" y="0"/>
-                </a:lnTo>
-                <a:close/>
-              </a:path>
-            </a:pathLst>
-          </a:custGeom>
-          <a:solidFill>
-            <a:srgbClr val="171717"/>
-          </a:solidFill>
-        </p:spPr>
-        <p:txBody>
-          <a:bodyPr wrap="square" lIns="0" tIns="0" rIns="0" bIns="0" rtlCol="0"/>
-          <a:lstStyle/>
-          <a:p/>
-        </p:txBody>
-      </p:sp>
-      <p:sp>
-        <p:nvSpPr>
           <p:cNvPr id="10" name="Slide Number Placeholder 9"/>
           <p:cNvSpPr>
             <a:spLocks noGrp="1"/>

--- a/1. Core Java 8/Day 4/Slides/6. Class Inheritance/class-inheritance-slides.pptx
+++ b/1. Core Java 8/Day 4/Slides/6. Class Inheritance/class-inheritance-slides.pptx
@@ -22211,8 +22211,8 @@
         </p:nvSpPr>
         <p:spPr>
           <a:xfrm>
-            <a:off x="353059" y="1135379"/>
-            <a:ext cx="4140835" cy="1397000"/>
+            <a:off x="353060" y="1135380"/>
+            <a:ext cx="7296785" cy="1397635"/>
           </a:xfrm>
           <a:prstGeom prst="rect">
             <a:avLst/>
@@ -22262,14 +22262,23 @@
               </a:rPr>
               <a:t> </a:t>
             </a:r>
-            <a:r>
-              <a:rPr sz="2000" spc="-5" dirty="0">
+            <a:br>
+              <a:rPr sz="2000" spc="5" dirty="0">
                 <a:solidFill>
                   <a:srgbClr val="F2F2F2"/>
                 </a:solidFill>
                 <a:latin typeface="Courier New" panose="02070309020205020404"/>
                 <a:cs typeface="Courier New" panose="02070309020205020404"/>
               </a:rPr>
+            </a:br>
+            <a:r>
+              <a:rPr sz="2000" spc="-5" dirty="0">
+                <a:solidFill>
+                  <a:srgbClr val="F2F2F2"/>
+                </a:solidFill>
+                <a:latin typeface="Courier New" panose="02070309020205020404"/>
+                <a:cs typeface="Courier New" panose="02070309020205020404"/>
+              </a:rPr>
               <a:t>private int flightNumber; </a:t>
             </a:r>
             <a:r>
@@ -22282,6 +22291,15 @@
               </a:rPr>
               <a:t> </a:t>
             </a:r>
+            <a:br>
+              <a:rPr sz="2000" spc="-1190" dirty="0">
+                <a:solidFill>
+                  <a:srgbClr val="F2F2F2"/>
+                </a:solidFill>
+                <a:latin typeface="Courier New" panose="02070309020205020404"/>
+                <a:cs typeface="Courier New" panose="02070309020205020404"/>
+              </a:rPr>
+            </a:br>
             <a:r>
               <a:rPr sz="2000" spc="-5" dirty="0">
                 <a:solidFill>
@@ -25941,8 +25959,8 @@
         </p:nvSpPr>
         <p:spPr>
           <a:xfrm>
-            <a:off x="353059" y="678179"/>
-            <a:ext cx="4140835" cy="1397000"/>
+            <a:off x="353060" y="678180"/>
+            <a:ext cx="8154035" cy="1397635"/>
           </a:xfrm>
           <a:prstGeom prst="rect">
             <a:avLst/>
@@ -25992,16 +26010,34 @@
               </a:rPr>
               <a:t> </a:t>
             </a:r>
-            <a:r>
-              <a:rPr sz="2000" spc="-5" dirty="0">
+            <a:br>
+              <a:rPr sz="2000" spc="5" dirty="0">
                 <a:solidFill>
                   <a:srgbClr val="F2F2F2"/>
                 </a:solidFill>
                 <a:latin typeface="Courier New" panose="02070309020205020404"/>
                 <a:cs typeface="Courier New" panose="02070309020205020404"/>
               </a:rPr>
+            </a:br>
+            <a:r>
+              <a:rPr sz="2000" spc="-5" dirty="0">
+                <a:solidFill>
+                  <a:srgbClr val="F2F2F2"/>
+                </a:solidFill>
+                <a:latin typeface="Courier New" panose="02070309020205020404"/>
+                <a:cs typeface="Courier New" panose="02070309020205020404"/>
+              </a:rPr>
               <a:t>private int flightNumber; </a:t>
             </a:r>
+            <a:br>
+              <a:rPr sz="2000" spc="-5" dirty="0">
+                <a:solidFill>
+                  <a:srgbClr val="F2F2F2"/>
+                </a:solidFill>
+                <a:latin typeface="Courier New" panose="02070309020205020404"/>
+                <a:cs typeface="Courier New" panose="02070309020205020404"/>
+              </a:rPr>
+            </a:br>
             <a:r>
               <a:rPr sz="2000" spc="-1190" dirty="0">
                 <a:solidFill>

--- a/1. Core Java 8/Day 4/Slides/6. Class Inheritance/class-inheritance-slides.pptx
+++ b/1. Core Java 8/Day 4/Slides/6. Class Inheritance/class-inheritance-slides.pptx
@@ -17835,54 +17835,6 @@
           </a:custGeom>
           <a:solidFill>
             <a:srgbClr val="A62E5C"/>
-          </a:solidFill>
-        </p:spPr>
-        <p:txBody>
-          <a:bodyPr wrap="square" lIns="0" tIns="0" rIns="0" bIns="0" rtlCol="0"/>
-          <a:lstStyle/>
-          <a:p/>
-        </p:txBody>
-      </p:sp>
-      <p:sp>
-        <p:nvSpPr>
-          <p:cNvPr id="19" name="object 19"/>
-          <p:cNvSpPr/>
-          <p:nvPr/>
-        </p:nvSpPr>
-        <p:spPr>
-          <a:xfrm>
-            <a:off x="3241963" y="4106714"/>
-            <a:ext cx="2034539" cy="332740"/>
-          </a:xfrm>
-          <a:custGeom>
-            <a:avLst/>
-            <a:gdLst/>
-            <a:ahLst/>
-            <a:cxnLst/>
-            <a:rect l="l" t="t" r="r" b="b"/>
-            <a:pathLst>
-              <a:path w="2034539" h="332739">
-                <a:moveTo>
-                  <a:pt x="2034172" y="0"/>
-                </a:moveTo>
-                <a:lnTo>
-                  <a:pt x="0" y="0"/>
-                </a:lnTo>
-                <a:lnTo>
-                  <a:pt x="0" y="332510"/>
-                </a:lnTo>
-                <a:lnTo>
-                  <a:pt x="2034172" y="332510"/>
-                </a:lnTo>
-                <a:lnTo>
-                  <a:pt x="2034172" y="0"/>
-                </a:lnTo>
-                <a:close/>
-              </a:path>
-            </a:pathLst>
-          </a:custGeom>
-          <a:solidFill>
-            <a:srgbClr val="171717"/>
           </a:solidFill>
         </p:spPr>
         <p:txBody>
